--- a/Lecture/Data Transformation 2/Data_Transformation_2_Lecture.pptx
+++ b/Lecture/Data Transformation 2/Data_Transformation_2_Lecture.pptx
@@ -285,7 +285,7 @@
               <a:pPr>
                 <a:defRPr/>
               </a:pPr>
-              <a:t>1/17/2019</a:t>
+              <a:t>9/4/2019</a:t>
             </a:fld>
             <a:endParaRPr lang="en-US" dirty="0"/>
           </a:p>
@@ -497,7 +497,7 @@
               <a:pPr>
                 <a:defRPr/>
               </a:pPr>
-              <a:t>1/17/2019</a:t>
+              <a:t>9/4/2019</a:t>
             </a:fld>
             <a:endParaRPr lang="en-US" dirty="0"/>
           </a:p>
@@ -1016,7 +1016,7 @@
               <a:pPr>
                 <a:defRPr/>
               </a:pPr>
-              <a:t>1/17/2019</a:t>
+              <a:t>9/4/2019</a:t>
             </a:fld>
             <a:endParaRPr lang="en-US" dirty="0"/>
           </a:p>
@@ -1206,7 +1206,7 @@
               <a:pPr>
                 <a:defRPr/>
               </a:pPr>
-              <a:t>1/17/2019</a:t>
+              <a:t>9/4/2019</a:t>
             </a:fld>
             <a:endParaRPr lang="en-US" dirty="0"/>
           </a:p>
@@ -1406,7 +1406,7 @@
               <a:pPr>
                 <a:defRPr/>
               </a:pPr>
-              <a:t>1/17/2019</a:t>
+              <a:t>9/4/2019</a:t>
             </a:fld>
             <a:endParaRPr lang="en-US" dirty="0"/>
           </a:p>
@@ -1674,7 +1674,7 @@
               <a:pPr>
                 <a:defRPr/>
               </a:pPr>
-              <a:t>1/17/2019</a:t>
+              <a:t>9/4/2019</a:t>
             </a:fld>
             <a:endParaRPr lang="en-US" dirty="0">
               <a:solidFill>
@@ -1888,7 +1888,7 @@
               <a:pPr>
                 <a:defRPr/>
               </a:pPr>
-              <a:t>1/17/2019</a:t>
+              <a:t>9/4/2019</a:t>
             </a:fld>
             <a:endParaRPr lang="en-US" dirty="0">
               <a:solidFill>
@@ -2179,7 +2179,7 @@
               <a:pPr>
                 <a:defRPr/>
               </a:pPr>
-              <a:t>1/17/2019</a:t>
+              <a:t>9/4/2019</a:t>
             </a:fld>
             <a:endParaRPr lang="en-US" dirty="0">
               <a:solidFill>
@@ -2510,7 +2510,7 @@
               <a:pPr>
                 <a:defRPr/>
               </a:pPr>
-              <a:t>1/17/2019</a:t>
+              <a:t>9/4/2019</a:t>
             </a:fld>
             <a:endParaRPr lang="en-US" dirty="0">
               <a:solidFill>
@@ -2975,7 +2975,7 @@
               <a:pPr>
                 <a:defRPr/>
               </a:pPr>
-              <a:t>1/17/2019</a:t>
+              <a:t>9/4/2019</a:t>
             </a:fld>
             <a:endParaRPr lang="en-US" dirty="0">
               <a:solidFill>
@@ -3138,7 +3138,7 @@
               <a:pPr>
                 <a:defRPr/>
               </a:pPr>
-              <a:t>1/17/2019</a:t>
+              <a:t>9/4/2019</a:t>
             </a:fld>
             <a:endParaRPr lang="en-US" dirty="0">
               <a:solidFill>
@@ -3279,7 +3279,7 @@
               <a:pPr>
                 <a:defRPr/>
               </a:pPr>
-              <a:t>1/17/2019</a:t>
+              <a:t>9/4/2019</a:t>
             </a:fld>
             <a:endParaRPr lang="en-US" dirty="0">
               <a:solidFill>
@@ -3600,7 +3600,7 @@
               <a:pPr>
                 <a:defRPr/>
               </a:pPr>
-              <a:t>1/17/2019</a:t>
+              <a:t>9/4/2019</a:t>
             </a:fld>
             <a:endParaRPr lang="en-US" dirty="0">
               <a:solidFill>
@@ -3808,7 +3808,7 @@
               <a:pPr>
                 <a:defRPr/>
               </a:pPr>
-              <a:t>1/17/2019</a:t>
+              <a:t>9/4/2019</a:t>
             </a:fld>
             <a:endParaRPr lang="en-US" dirty="0"/>
           </a:p>
@@ -4091,7 +4091,7 @@
               <a:pPr>
                 <a:defRPr/>
               </a:pPr>
-              <a:t>1/17/2019</a:t>
+              <a:t>9/4/2019</a:t>
             </a:fld>
             <a:endParaRPr lang="en-US" dirty="0">
               <a:solidFill>
@@ -4305,7 +4305,7 @@
               <a:pPr>
                 <a:defRPr/>
               </a:pPr>
-              <a:t>1/17/2019</a:t>
+              <a:t>9/4/2019</a:t>
             </a:fld>
             <a:endParaRPr lang="en-US" dirty="0">
               <a:solidFill>
@@ -4529,7 +4529,7 @@
               <a:pPr>
                 <a:defRPr/>
               </a:pPr>
-              <a:t>1/17/2019</a:t>
+              <a:t>9/4/2019</a:t>
             </a:fld>
             <a:endParaRPr lang="en-US" dirty="0">
               <a:solidFill>
@@ -4739,7 +4739,7 @@
               <a:pPr>
                 <a:defRPr/>
               </a:pPr>
-              <a:t>1/17/2019</a:t>
+              <a:t>9/4/2019</a:t>
             </a:fld>
             <a:endParaRPr lang="en-US" dirty="0">
               <a:solidFill>
@@ -5016,7 +5016,7 @@
               <a:pPr>
                 <a:defRPr/>
               </a:pPr>
-              <a:t>1/17/2019</a:t>
+              <a:t>9/4/2019</a:t>
             </a:fld>
             <a:endParaRPr lang="en-US" dirty="0"/>
           </a:p>
@@ -5323,7 +5323,7 @@
               <a:pPr>
                 <a:defRPr/>
               </a:pPr>
-              <a:t>1/17/2019</a:t>
+              <a:t>9/4/2019</a:t>
             </a:fld>
             <a:endParaRPr lang="en-US" dirty="0"/>
           </a:p>
@@ -5764,7 +5764,7 @@
               <a:pPr>
                 <a:defRPr/>
               </a:pPr>
-              <a:t>1/17/2019</a:t>
+              <a:t>9/4/2019</a:t>
             </a:fld>
             <a:endParaRPr lang="en-US" dirty="0"/>
           </a:p>
@@ -5903,7 +5903,7 @@
               <a:pPr>
                 <a:defRPr/>
               </a:pPr>
-              <a:t>1/17/2019</a:t>
+              <a:t>9/4/2019</a:t>
             </a:fld>
             <a:endParaRPr lang="en-US" dirty="0"/>
           </a:p>
@@ -6020,7 +6020,7 @@
               <a:pPr>
                 <a:defRPr/>
               </a:pPr>
-              <a:t>1/17/2019</a:t>
+              <a:t>9/4/2019</a:t>
             </a:fld>
             <a:endParaRPr lang="en-US" dirty="0"/>
           </a:p>
@@ -6317,7 +6317,7 @@
               <a:pPr>
                 <a:defRPr/>
               </a:pPr>
-              <a:t>1/17/2019</a:t>
+              <a:t>9/4/2019</a:t>
             </a:fld>
             <a:endParaRPr lang="en-US" dirty="0"/>
           </a:p>
@@ -6594,7 +6594,7 @@
               <a:pPr>
                 <a:defRPr/>
               </a:pPr>
-              <a:t>1/17/2019</a:t>
+              <a:t>9/4/2019</a:t>
             </a:fld>
             <a:endParaRPr lang="en-US" dirty="0"/>
           </a:p>
@@ -6851,7 +6851,7 @@
               <a:pPr>
                 <a:defRPr/>
               </a:pPr>
-              <a:t>1/17/2019</a:t>
+              <a:t>9/4/2019</a:t>
             </a:fld>
             <a:endParaRPr lang="en-US" dirty="0"/>
           </a:p>
@@ -7561,7 +7561,7 @@
               <a:pPr>
                 <a:defRPr/>
               </a:pPr>
-              <a:t>1/17/2019</a:t>
+              <a:t>9/4/2019</a:t>
             </a:fld>
             <a:endParaRPr lang="en-US" dirty="0">
               <a:solidFill>
@@ -13555,13 +13555,18 @@
               <a:buChar char="•"/>
             </a:pPr>
             <a:r>
-              <a:rPr lang="en-US" dirty="0">
+              <a:rPr lang="en-US">
                 <a:solidFill>
                   <a:srgbClr val="404040"/>
                 </a:solidFill>
               </a:rPr>
-              <a:t>Tutorial 3</a:t>
-            </a:r>
+              <a:t>Tutorial</a:t>
+            </a:r>
+            <a:endParaRPr lang="en-US" dirty="0">
+              <a:solidFill>
+                <a:srgbClr val="404040"/>
+              </a:solidFill>
+            </a:endParaRPr>
           </a:p>
           <a:p>
             <a:pPr marL="800100" lvl="1" indent="-342900">
